--- a/CleanArchitecture_and_DDD/README.pptx
+++ b/CleanArchitecture_and_DDD/README.pptx
@@ -7,6 +7,9 @@
   <p:sldIdLst>
     <p:sldId id="257" r:id="rId2"/>
     <p:sldId id="256" r:id="rId3"/>
+    <p:sldId id="259" r:id="rId4"/>
+    <p:sldId id="258" r:id="rId5"/>
+    <p:sldId id="260" r:id="rId6"/>
   </p:sldIdLst>
   <p:sldSz cx="12192000" cy="6858000"/>
   <p:notesSz cx="6858000" cy="9144000"/>
@@ -105,6 +108,11 @@
       </a:defRPr>
     </a:lvl9pPr>
   </p:defaultTextStyle>
+  <p:extLst>
+    <p:ext uri="{EFAFB233-063F-42B5-8137-9DF3F51BA10A}">
+      <p15:sldGuideLst xmlns:p15="http://schemas.microsoft.com/office/powerpoint/2012/main"/>
+    </p:ext>
+  </p:extLst>
 </p:presentation>
 </file>
 
@@ -257,7 +265,7 @@
           <a:p>
             <a:fld id="{C74F31CF-D837-42D7-AA07-19F2BC8E1048}" type="datetimeFigureOut">
               <a:rPr lang="en-GB" smtClean="0"/>
-              <a:t>01/08/2022</a:t>
+              <a:t>02/08/2022</a:t>
             </a:fld>
             <a:endParaRPr lang="en-GB"/>
           </a:p>
@@ -457,7 +465,7 @@
           <a:p>
             <a:fld id="{C74F31CF-D837-42D7-AA07-19F2BC8E1048}" type="datetimeFigureOut">
               <a:rPr lang="en-GB" smtClean="0"/>
-              <a:t>01/08/2022</a:t>
+              <a:t>02/08/2022</a:t>
             </a:fld>
             <a:endParaRPr lang="en-GB"/>
           </a:p>
@@ -667,7 +675,7 @@
           <a:p>
             <a:fld id="{C74F31CF-D837-42D7-AA07-19F2BC8E1048}" type="datetimeFigureOut">
               <a:rPr lang="en-GB" smtClean="0"/>
-              <a:t>01/08/2022</a:t>
+              <a:t>02/08/2022</a:t>
             </a:fld>
             <a:endParaRPr lang="en-GB"/>
           </a:p>
@@ -867,7 +875,7 @@
           <a:p>
             <a:fld id="{C74F31CF-D837-42D7-AA07-19F2BC8E1048}" type="datetimeFigureOut">
               <a:rPr lang="en-GB" smtClean="0"/>
-              <a:t>01/08/2022</a:t>
+              <a:t>02/08/2022</a:t>
             </a:fld>
             <a:endParaRPr lang="en-GB"/>
           </a:p>
@@ -1143,7 +1151,7 @@
           <a:p>
             <a:fld id="{C74F31CF-D837-42D7-AA07-19F2BC8E1048}" type="datetimeFigureOut">
               <a:rPr lang="en-GB" smtClean="0"/>
-              <a:t>01/08/2022</a:t>
+              <a:t>02/08/2022</a:t>
             </a:fld>
             <a:endParaRPr lang="en-GB"/>
           </a:p>
@@ -1411,7 +1419,7 @@
           <a:p>
             <a:fld id="{C74F31CF-D837-42D7-AA07-19F2BC8E1048}" type="datetimeFigureOut">
               <a:rPr lang="en-GB" smtClean="0"/>
-              <a:t>01/08/2022</a:t>
+              <a:t>02/08/2022</a:t>
             </a:fld>
             <a:endParaRPr lang="en-GB"/>
           </a:p>
@@ -1826,7 +1834,7 @@
           <a:p>
             <a:fld id="{C74F31CF-D837-42D7-AA07-19F2BC8E1048}" type="datetimeFigureOut">
               <a:rPr lang="en-GB" smtClean="0"/>
-              <a:t>01/08/2022</a:t>
+              <a:t>02/08/2022</a:t>
             </a:fld>
             <a:endParaRPr lang="en-GB"/>
           </a:p>
@@ -1968,7 +1976,7 @@
           <a:p>
             <a:fld id="{C74F31CF-D837-42D7-AA07-19F2BC8E1048}" type="datetimeFigureOut">
               <a:rPr lang="en-GB" smtClean="0"/>
-              <a:t>01/08/2022</a:t>
+              <a:t>02/08/2022</a:t>
             </a:fld>
             <a:endParaRPr lang="en-GB"/>
           </a:p>
@@ -2081,7 +2089,7 @@
           <a:p>
             <a:fld id="{C74F31CF-D837-42D7-AA07-19F2BC8E1048}" type="datetimeFigureOut">
               <a:rPr lang="en-GB" smtClean="0"/>
-              <a:t>01/08/2022</a:t>
+              <a:t>02/08/2022</a:t>
             </a:fld>
             <a:endParaRPr lang="en-GB"/>
           </a:p>
@@ -2394,7 +2402,7 @@
           <a:p>
             <a:fld id="{C74F31CF-D837-42D7-AA07-19F2BC8E1048}" type="datetimeFigureOut">
               <a:rPr lang="en-GB" smtClean="0"/>
-              <a:t>01/08/2022</a:t>
+              <a:t>02/08/2022</a:t>
             </a:fld>
             <a:endParaRPr lang="en-GB"/>
           </a:p>
@@ -2683,7 +2691,7 @@
           <a:p>
             <a:fld id="{C74F31CF-D837-42D7-AA07-19F2BC8E1048}" type="datetimeFigureOut">
               <a:rPr lang="en-GB" smtClean="0"/>
-              <a:t>01/08/2022</a:t>
+              <a:t>02/08/2022</a:t>
             </a:fld>
             <a:endParaRPr lang="en-GB"/>
           </a:p>
@@ -2926,7 +2934,7 @@
           <a:p>
             <a:fld id="{C74F31CF-D837-42D7-AA07-19F2BC8E1048}" type="datetimeFigureOut">
               <a:rPr lang="en-GB" smtClean="0"/>
-              <a:t>01/08/2022</a:t>
+              <a:t>02/08/2022</a:t>
             </a:fld>
             <a:endParaRPr lang="en-GB"/>
           </a:p>
@@ -3357,7 +3365,7 @@
         </p:nvSpPr>
         <p:spPr>
           <a:xfrm>
-            <a:off x="5168919" y="3013502"/>
+            <a:off x="5168919" y="2037456"/>
             <a:ext cx="1854162" cy="830997"/>
           </a:xfrm>
           <a:prstGeom prst="rect">
@@ -3401,7 +3409,7 @@
         </p:nvSpPr>
         <p:spPr>
           <a:xfrm>
-            <a:off x="3576905" y="4169008"/>
+            <a:off x="3576905" y="3192962"/>
             <a:ext cx="5038191" cy="369332"/>
           </a:xfrm>
           <a:prstGeom prst="rect">
@@ -3947,6 +3955,1918 @@
     <p:extLst>
       <p:ext uri="{BB962C8B-B14F-4D97-AF65-F5344CB8AC3E}">
         <p14:creationId xmlns:p14="http://schemas.microsoft.com/office/powerpoint/2010/main" val="2321119039"/>
+      </p:ext>
+    </p:extLst>
+  </p:cSld>
+  <p:clrMapOvr>
+    <a:masterClrMapping/>
+  </p:clrMapOvr>
+</p:sld>
+</file>
+
+<file path=ppt/slides/slide3.xml><?xml version="1.0" encoding="utf-8"?>
+<p:sld xmlns:a="http://schemas.openxmlformats.org/drawingml/2006/main" xmlns:r="http://schemas.openxmlformats.org/officeDocument/2006/relationships" xmlns:p="http://schemas.openxmlformats.org/presentationml/2006/main">
+  <p:cSld>
+    <p:spTree>
+      <p:nvGrpSpPr>
+        <p:cNvPr id="1" name=""/>
+        <p:cNvGrpSpPr/>
+        <p:nvPr/>
+      </p:nvGrpSpPr>
+      <p:grpSpPr>
+        <a:xfrm>
+          <a:off x="0" y="0"/>
+          <a:ext cx="0" cy="0"/>
+          <a:chOff x="0" y="0"/>
+          <a:chExt cx="0" cy="0"/>
+        </a:xfrm>
+      </p:grpSpPr>
+      <p:sp>
+        <p:nvSpPr>
+          <p:cNvPr id="4" name="TextBox 3">
+            <a:extLst>
+              <a:ext uri="{FF2B5EF4-FFF2-40B4-BE49-F238E27FC236}">
+                <a16:creationId xmlns:a16="http://schemas.microsoft.com/office/drawing/2014/main" id="{821672CD-02CF-80AF-2B43-EDD26C7108DF}"/>
+              </a:ext>
+            </a:extLst>
+          </p:cNvPr>
+          <p:cNvSpPr txBox="1"/>
+          <p:nvPr/>
+        </p:nvSpPr>
+        <p:spPr>
+          <a:xfrm>
+            <a:off x="5168919" y="2037456"/>
+            <a:ext cx="1854162" cy="830997"/>
+          </a:xfrm>
+          <a:prstGeom prst="rect">
+            <a:avLst/>
+          </a:prstGeom>
+          <a:noFill/>
+        </p:spPr>
+        <p:txBody>
+          <a:bodyPr wrap="none" rtlCol="0">
+            <a:spAutoFit/>
+          </a:bodyPr>
+          <a:lstStyle/>
+          <a:p>
+            <a:r>
+              <a:rPr lang="en-GB" sz="4800" b="1" dirty="0"/>
+              <a:t>Part</a:t>
+            </a:r>
+            <a:r>
+              <a:rPr lang="ko-KR" altLang="en-US" sz="4800" b="1" dirty="0"/>
+              <a:t> </a:t>
+            </a:r>
+            <a:r>
+              <a:rPr lang="en-GB" altLang="ko-KR" sz="4800" b="1" dirty="0"/>
+              <a:t>2.</a:t>
+            </a:r>
+            <a:endParaRPr lang="en-GB" sz="4800" b="1" dirty="0"/>
+          </a:p>
+        </p:txBody>
+      </p:sp>
+    </p:spTree>
+    <p:extLst>
+      <p:ext uri="{BB962C8B-B14F-4D97-AF65-F5344CB8AC3E}">
+        <p14:creationId xmlns:p14="http://schemas.microsoft.com/office/powerpoint/2010/main" val="2055729699"/>
+      </p:ext>
+    </p:extLst>
+  </p:cSld>
+  <p:clrMapOvr>
+    <a:masterClrMapping/>
+  </p:clrMapOvr>
+</p:sld>
+</file>
+
+<file path=ppt/slides/slide4.xml><?xml version="1.0" encoding="utf-8"?>
+<p:sld xmlns:a="http://schemas.openxmlformats.org/drawingml/2006/main" xmlns:r="http://schemas.openxmlformats.org/officeDocument/2006/relationships" xmlns:p="http://schemas.openxmlformats.org/presentationml/2006/main">
+  <p:cSld>
+    <p:spTree>
+      <p:nvGrpSpPr>
+        <p:cNvPr id="1" name=""/>
+        <p:cNvGrpSpPr/>
+        <p:nvPr/>
+      </p:nvGrpSpPr>
+      <p:grpSpPr>
+        <a:xfrm>
+          <a:off x="0" y="0"/>
+          <a:ext cx="0" cy="0"/>
+          <a:chOff x="0" y="0"/>
+          <a:chExt cx="0" cy="0"/>
+        </a:xfrm>
+      </p:grpSpPr>
+      <p:sp>
+        <p:nvSpPr>
+          <p:cNvPr id="27" name="직사각형 26">
+            <a:extLst>
+              <a:ext uri="{FF2B5EF4-FFF2-40B4-BE49-F238E27FC236}">
+                <a16:creationId xmlns:a16="http://schemas.microsoft.com/office/drawing/2014/main" id="{11442194-A72A-6362-654E-2BC2CE5409E7}"/>
+              </a:ext>
+            </a:extLst>
+          </p:cNvPr>
+          <p:cNvSpPr/>
+          <p:nvPr/>
+        </p:nvSpPr>
+        <p:spPr>
+          <a:xfrm>
+            <a:off x="8594000" y="1099335"/>
+            <a:ext cx="3164773" cy="549668"/>
+          </a:xfrm>
+          <a:prstGeom prst="rect">
+            <a:avLst/>
+          </a:prstGeom>
+          <a:solidFill>
+            <a:srgbClr val="FFFF00"/>
+          </a:solidFill>
+          <a:ln>
+            <a:solidFill>
+              <a:srgbClr val="FFFF00"/>
+            </a:solidFill>
+          </a:ln>
+        </p:spPr>
+        <p:style>
+          <a:lnRef idx="2">
+            <a:schemeClr val="accent1">
+              <a:shade val="50000"/>
+            </a:schemeClr>
+          </a:lnRef>
+          <a:fillRef idx="1">
+            <a:schemeClr val="accent1"/>
+          </a:fillRef>
+          <a:effectRef idx="0">
+            <a:schemeClr val="accent1"/>
+          </a:effectRef>
+          <a:fontRef idx="minor">
+            <a:schemeClr val="lt1"/>
+          </a:fontRef>
+        </p:style>
+        <p:txBody>
+          <a:bodyPr rtlCol="0" anchor="ctr"/>
+          <a:lstStyle/>
+          <a:p>
+            <a:pPr algn="ctr"/>
+            <a:endParaRPr lang="en-GB"/>
+          </a:p>
+        </p:txBody>
+      </p:sp>
+      <p:pic>
+        <p:nvPicPr>
+          <p:cNvPr id="5" name="그림 4">
+            <a:extLst>
+              <a:ext uri="{FF2B5EF4-FFF2-40B4-BE49-F238E27FC236}">
+                <a16:creationId xmlns:a16="http://schemas.microsoft.com/office/drawing/2014/main" id="{69EE5B2A-2215-8624-B52E-73F62BA5D5B2}"/>
+              </a:ext>
+            </a:extLst>
+          </p:cNvPr>
+          <p:cNvPicPr>
+            <a:picLocks noChangeAspect="1"/>
+          </p:cNvPicPr>
+          <p:nvPr/>
+        </p:nvPicPr>
+        <p:blipFill>
+          <a:blip r:embed="rId2"/>
+          <a:stretch>
+            <a:fillRect/>
+          </a:stretch>
+        </p:blipFill>
+        <p:spPr>
+          <a:xfrm>
+            <a:off x="7091629" y="2290550"/>
+            <a:ext cx="4558927" cy="3236947"/>
+          </a:xfrm>
+          <a:prstGeom prst="rect">
+            <a:avLst/>
+          </a:prstGeom>
+        </p:spPr>
+      </p:pic>
+      <p:pic>
+        <p:nvPicPr>
+          <p:cNvPr id="7" name="그림 6">
+            <a:extLst>
+              <a:ext uri="{FF2B5EF4-FFF2-40B4-BE49-F238E27FC236}">
+                <a16:creationId xmlns:a16="http://schemas.microsoft.com/office/drawing/2014/main" id="{B8911D50-6496-8E3A-C6FC-6087974CF4DA}"/>
+              </a:ext>
+            </a:extLst>
+          </p:cNvPr>
+          <p:cNvPicPr>
+            <a:picLocks noChangeAspect="1"/>
+          </p:cNvPicPr>
+          <p:nvPr/>
+        </p:nvPicPr>
+        <p:blipFill>
+          <a:blip r:embed="rId3"/>
+          <a:stretch>
+            <a:fillRect/>
+          </a:stretch>
+        </p:blipFill>
+        <p:spPr>
+          <a:xfrm>
+            <a:off x="378525" y="2024009"/>
+            <a:ext cx="5900394" cy="4445365"/>
+          </a:xfrm>
+          <a:prstGeom prst="rect">
+            <a:avLst/>
+          </a:prstGeom>
+        </p:spPr>
+      </p:pic>
+      <p:cxnSp>
+        <p:nvCxnSpPr>
+          <p:cNvPr id="9" name="직선 연결선 8">
+            <a:extLst>
+              <a:ext uri="{FF2B5EF4-FFF2-40B4-BE49-F238E27FC236}">
+                <a16:creationId xmlns:a16="http://schemas.microsoft.com/office/drawing/2014/main" id="{B228FE1B-9FFB-26B5-6891-7AA6E1B22853}"/>
+              </a:ext>
+            </a:extLst>
+          </p:cNvPr>
+          <p:cNvCxnSpPr>
+            <a:cxnSpLocks/>
+          </p:cNvCxnSpPr>
+          <p:nvPr/>
+        </p:nvCxnSpPr>
+        <p:spPr>
+          <a:xfrm>
+            <a:off x="893853" y="3169578"/>
+            <a:ext cx="2763749" cy="0"/>
+          </a:xfrm>
+          <a:prstGeom prst="line">
+            <a:avLst/>
+          </a:prstGeom>
+          <a:ln w="76200">
+            <a:solidFill>
+              <a:srgbClr val="C00000"/>
+            </a:solidFill>
+          </a:ln>
+        </p:spPr>
+        <p:style>
+          <a:lnRef idx="1">
+            <a:schemeClr val="accent1"/>
+          </a:lnRef>
+          <a:fillRef idx="0">
+            <a:schemeClr val="accent1"/>
+          </a:fillRef>
+          <a:effectRef idx="0">
+            <a:schemeClr val="accent1"/>
+          </a:effectRef>
+          <a:fontRef idx="minor">
+            <a:schemeClr val="tx1"/>
+          </a:fontRef>
+        </p:style>
+      </p:cxnSp>
+      <p:cxnSp>
+        <p:nvCxnSpPr>
+          <p:cNvPr id="12" name="직선 화살표 연결선 11">
+            <a:extLst>
+              <a:ext uri="{FF2B5EF4-FFF2-40B4-BE49-F238E27FC236}">
+                <a16:creationId xmlns:a16="http://schemas.microsoft.com/office/drawing/2014/main" id="{222A5715-E8A0-DE75-00BA-46B636350503}"/>
+              </a:ext>
+            </a:extLst>
+          </p:cNvPr>
+          <p:cNvCxnSpPr>
+            <a:cxnSpLocks/>
+          </p:cNvCxnSpPr>
+          <p:nvPr/>
+        </p:nvCxnSpPr>
+        <p:spPr>
+          <a:xfrm flipV="1">
+            <a:off x="3565133" y="2861353"/>
+            <a:ext cx="3832261" cy="195209"/>
+          </a:xfrm>
+          <a:prstGeom prst="straightConnector1">
+            <a:avLst/>
+          </a:prstGeom>
+          <a:ln w="28575">
+            <a:solidFill>
+              <a:srgbClr val="C00000"/>
+            </a:solidFill>
+            <a:tailEnd type="triangle"/>
+          </a:ln>
+        </p:spPr>
+        <p:style>
+          <a:lnRef idx="1">
+            <a:schemeClr val="accent1"/>
+          </a:lnRef>
+          <a:fillRef idx="0">
+            <a:schemeClr val="accent1"/>
+          </a:fillRef>
+          <a:effectRef idx="0">
+            <a:schemeClr val="accent1"/>
+          </a:effectRef>
+          <a:fontRef idx="minor">
+            <a:schemeClr val="tx1"/>
+          </a:fontRef>
+        </p:style>
+      </p:cxnSp>
+      <p:sp>
+        <p:nvSpPr>
+          <p:cNvPr id="13" name="직사각형 12">
+            <a:extLst>
+              <a:ext uri="{FF2B5EF4-FFF2-40B4-BE49-F238E27FC236}">
+                <a16:creationId xmlns:a16="http://schemas.microsoft.com/office/drawing/2014/main" id="{D1F3574E-2D2D-71D6-21B4-9344BC4CED37}"/>
+              </a:ext>
+            </a:extLst>
+          </p:cNvPr>
+          <p:cNvSpPr/>
+          <p:nvPr/>
+        </p:nvSpPr>
+        <p:spPr>
+          <a:xfrm>
+            <a:off x="965771" y="3657598"/>
+            <a:ext cx="5399376" cy="960633"/>
+          </a:xfrm>
+          <a:prstGeom prst="rect">
+            <a:avLst/>
+          </a:prstGeom>
+          <a:noFill/>
+          <a:ln w="57150">
+            <a:solidFill>
+              <a:srgbClr val="C00000"/>
+            </a:solidFill>
+          </a:ln>
+        </p:spPr>
+        <p:style>
+          <a:lnRef idx="2">
+            <a:schemeClr val="dk1"/>
+          </a:lnRef>
+          <a:fillRef idx="1">
+            <a:schemeClr val="lt1"/>
+          </a:fillRef>
+          <a:effectRef idx="0">
+            <a:schemeClr val="dk1"/>
+          </a:effectRef>
+          <a:fontRef idx="minor">
+            <a:schemeClr val="dk1"/>
+          </a:fontRef>
+        </p:style>
+        <p:txBody>
+          <a:bodyPr rtlCol="0" anchor="ctr"/>
+          <a:lstStyle/>
+          <a:p>
+            <a:pPr algn="ctr"/>
+            <a:endParaRPr lang="en-GB"/>
+          </a:p>
+        </p:txBody>
+      </p:sp>
+      <p:cxnSp>
+        <p:nvCxnSpPr>
+          <p:cNvPr id="15" name="직선 화살표 연결선 14">
+            <a:extLst>
+              <a:ext uri="{FF2B5EF4-FFF2-40B4-BE49-F238E27FC236}">
+                <a16:creationId xmlns:a16="http://schemas.microsoft.com/office/drawing/2014/main" id="{8D48D208-CC00-5A2F-D474-F2C63D883FEC}"/>
+              </a:ext>
+            </a:extLst>
+          </p:cNvPr>
+          <p:cNvCxnSpPr>
+            <a:cxnSpLocks/>
+            <a:stCxn id="13" idx="3"/>
+          </p:cNvCxnSpPr>
+          <p:nvPr/>
+        </p:nvCxnSpPr>
+        <p:spPr>
+          <a:xfrm>
+            <a:off x="6365147" y="4137915"/>
+            <a:ext cx="980874" cy="267130"/>
+          </a:xfrm>
+          <a:prstGeom prst="straightConnector1">
+            <a:avLst/>
+          </a:prstGeom>
+          <a:ln w="28575">
+            <a:solidFill>
+              <a:srgbClr val="C00000"/>
+            </a:solidFill>
+            <a:tailEnd type="triangle"/>
+          </a:ln>
+        </p:spPr>
+        <p:style>
+          <a:lnRef idx="1">
+            <a:schemeClr val="accent1"/>
+          </a:lnRef>
+          <a:fillRef idx="0">
+            <a:schemeClr val="accent1"/>
+          </a:fillRef>
+          <a:effectRef idx="0">
+            <a:schemeClr val="accent1"/>
+          </a:effectRef>
+          <a:fontRef idx="minor">
+            <a:schemeClr val="tx1"/>
+          </a:fontRef>
+        </p:style>
+      </p:cxnSp>
+      <p:sp>
+        <p:nvSpPr>
+          <p:cNvPr id="19" name="직사각형 18">
+            <a:extLst>
+              <a:ext uri="{FF2B5EF4-FFF2-40B4-BE49-F238E27FC236}">
+                <a16:creationId xmlns:a16="http://schemas.microsoft.com/office/drawing/2014/main" id="{FDEA9960-12F6-2C0D-395B-AF8F74C98233}"/>
+              </a:ext>
+            </a:extLst>
+          </p:cNvPr>
+          <p:cNvSpPr/>
+          <p:nvPr/>
+        </p:nvSpPr>
+        <p:spPr>
+          <a:xfrm>
+            <a:off x="965771" y="5070297"/>
+            <a:ext cx="5399376" cy="395553"/>
+          </a:xfrm>
+          <a:prstGeom prst="rect">
+            <a:avLst/>
+          </a:prstGeom>
+          <a:noFill/>
+          <a:ln w="57150">
+            <a:solidFill>
+              <a:srgbClr val="C00000"/>
+            </a:solidFill>
+          </a:ln>
+        </p:spPr>
+        <p:style>
+          <a:lnRef idx="2">
+            <a:schemeClr val="dk1"/>
+          </a:lnRef>
+          <a:fillRef idx="1">
+            <a:schemeClr val="lt1"/>
+          </a:fillRef>
+          <a:effectRef idx="0">
+            <a:schemeClr val="dk1"/>
+          </a:effectRef>
+          <a:fontRef idx="minor">
+            <a:schemeClr val="dk1"/>
+          </a:fontRef>
+        </p:style>
+        <p:txBody>
+          <a:bodyPr rtlCol="0" anchor="ctr"/>
+          <a:lstStyle/>
+          <a:p>
+            <a:pPr algn="ctr"/>
+            <a:endParaRPr lang="en-GB"/>
+          </a:p>
+        </p:txBody>
+      </p:sp>
+      <p:cxnSp>
+        <p:nvCxnSpPr>
+          <p:cNvPr id="20" name="직선 화살표 연결선 19">
+            <a:extLst>
+              <a:ext uri="{FF2B5EF4-FFF2-40B4-BE49-F238E27FC236}">
+                <a16:creationId xmlns:a16="http://schemas.microsoft.com/office/drawing/2014/main" id="{9AA0FC82-C94D-4FFE-2ED6-053C295B68C3}"/>
+              </a:ext>
+            </a:extLst>
+          </p:cNvPr>
+          <p:cNvCxnSpPr>
+            <a:cxnSpLocks/>
+            <a:stCxn id="19" idx="3"/>
+          </p:cNvCxnSpPr>
+          <p:nvPr/>
+        </p:nvCxnSpPr>
+        <p:spPr>
+          <a:xfrm flipV="1">
+            <a:off x="6365147" y="5070297"/>
+            <a:ext cx="924368" cy="197777"/>
+          </a:xfrm>
+          <a:prstGeom prst="straightConnector1">
+            <a:avLst/>
+          </a:prstGeom>
+          <a:ln w="28575">
+            <a:solidFill>
+              <a:srgbClr val="C00000"/>
+            </a:solidFill>
+            <a:tailEnd type="triangle"/>
+          </a:ln>
+        </p:spPr>
+        <p:style>
+          <a:lnRef idx="1">
+            <a:schemeClr val="accent1"/>
+          </a:lnRef>
+          <a:fillRef idx="0">
+            <a:schemeClr val="accent1"/>
+          </a:fillRef>
+          <a:effectRef idx="0">
+            <a:schemeClr val="accent1"/>
+          </a:effectRef>
+          <a:fontRef idx="minor">
+            <a:schemeClr val="tx1"/>
+          </a:fontRef>
+        </p:style>
+      </p:cxnSp>
+      <p:sp>
+        <p:nvSpPr>
+          <p:cNvPr id="23" name="왼쪽 중괄호 22">
+            <a:extLst>
+              <a:ext uri="{FF2B5EF4-FFF2-40B4-BE49-F238E27FC236}">
+                <a16:creationId xmlns:a16="http://schemas.microsoft.com/office/drawing/2014/main" id="{C321587D-D1E0-7ADB-EFC9-EC5A73BA5D89}"/>
+              </a:ext>
+            </a:extLst>
+          </p:cNvPr>
+          <p:cNvSpPr/>
+          <p:nvPr/>
+        </p:nvSpPr>
+        <p:spPr>
+          <a:xfrm>
+            <a:off x="7351147" y="4027465"/>
+            <a:ext cx="158911" cy="796247"/>
+          </a:xfrm>
+          <a:prstGeom prst="leftBrace">
+            <a:avLst>
+              <a:gd name="adj1" fmla="val 60056"/>
+              <a:gd name="adj2" fmla="val 50000"/>
+            </a:avLst>
+          </a:prstGeom>
+          <a:ln w="19050">
+            <a:solidFill>
+              <a:srgbClr val="C00000"/>
+            </a:solidFill>
+          </a:ln>
+        </p:spPr>
+        <p:style>
+          <a:lnRef idx="1">
+            <a:schemeClr val="accent1"/>
+          </a:lnRef>
+          <a:fillRef idx="0">
+            <a:schemeClr val="accent1"/>
+          </a:fillRef>
+          <a:effectRef idx="0">
+            <a:schemeClr val="accent1"/>
+          </a:effectRef>
+          <a:fontRef idx="minor">
+            <a:schemeClr val="tx1"/>
+          </a:fontRef>
+        </p:style>
+        <p:txBody>
+          <a:bodyPr rtlCol="0" anchor="ctr"/>
+          <a:lstStyle/>
+          <a:p>
+            <a:pPr algn="ctr"/>
+            <a:endParaRPr lang="en-GB"/>
+          </a:p>
+        </p:txBody>
+      </p:sp>
+      <p:sp>
+        <p:nvSpPr>
+          <p:cNvPr id="24" name="왼쪽 중괄호 23">
+            <a:extLst>
+              <a:ext uri="{FF2B5EF4-FFF2-40B4-BE49-F238E27FC236}">
+                <a16:creationId xmlns:a16="http://schemas.microsoft.com/office/drawing/2014/main" id="{AA052654-2997-B3DD-8E05-1F66C97052EA}"/>
+              </a:ext>
+            </a:extLst>
+          </p:cNvPr>
+          <p:cNvSpPr/>
+          <p:nvPr/>
+        </p:nvSpPr>
+        <p:spPr>
+          <a:xfrm>
+            <a:off x="7351147" y="4872726"/>
+            <a:ext cx="158911" cy="365757"/>
+          </a:xfrm>
+          <a:prstGeom prst="leftBrace">
+            <a:avLst>
+              <a:gd name="adj1" fmla="val 24093"/>
+              <a:gd name="adj2" fmla="val 50000"/>
+            </a:avLst>
+          </a:prstGeom>
+          <a:ln w="19050">
+            <a:solidFill>
+              <a:srgbClr val="C00000"/>
+            </a:solidFill>
+          </a:ln>
+        </p:spPr>
+        <p:style>
+          <a:lnRef idx="1">
+            <a:schemeClr val="accent1"/>
+          </a:lnRef>
+          <a:fillRef idx="0">
+            <a:schemeClr val="accent1"/>
+          </a:fillRef>
+          <a:effectRef idx="0">
+            <a:schemeClr val="accent1"/>
+          </a:effectRef>
+          <a:fontRef idx="minor">
+            <a:schemeClr val="tx1"/>
+          </a:fontRef>
+        </p:style>
+        <p:txBody>
+          <a:bodyPr rtlCol="0" anchor="ctr"/>
+          <a:lstStyle/>
+          <a:p>
+            <a:pPr algn="ctr"/>
+            <a:endParaRPr lang="en-GB"/>
+          </a:p>
+        </p:txBody>
+      </p:sp>
+      <p:sp>
+        <p:nvSpPr>
+          <p:cNvPr id="26" name="TextBox 25">
+            <a:extLst>
+              <a:ext uri="{FF2B5EF4-FFF2-40B4-BE49-F238E27FC236}">
+                <a16:creationId xmlns:a16="http://schemas.microsoft.com/office/drawing/2014/main" id="{EDDD9EB3-573D-AB22-8677-0BA35687E2D1}"/>
+              </a:ext>
+            </a:extLst>
+          </p:cNvPr>
+          <p:cNvSpPr txBox="1"/>
+          <p:nvPr/>
+        </p:nvSpPr>
+        <p:spPr>
+          <a:xfrm>
+            <a:off x="8594000" y="129624"/>
+            <a:ext cx="3464438" cy="2247731"/>
+          </a:xfrm>
+          <a:prstGeom prst="rect">
+            <a:avLst/>
+          </a:prstGeom>
+          <a:noFill/>
+        </p:spPr>
+        <p:txBody>
+          <a:bodyPr wrap="square">
+            <a:spAutoFit/>
+          </a:bodyPr>
+          <a:lstStyle/>
+          <a:p>
+            <a:pPr>
+              <a:lnSpc>
+                <a:spcPct val="150000"/>
+              </a:lnSpc>
+            </a:pPr>
+            <a:r>
+              <a:rPr lang="en-GB" sz="1050" b="0" dirty="0">
+                <a:solidFill>
+                  <a:srgbClr val="AF00DB"/>
+                </a:solidFill>
+                <a:effectLst/>
+                <a:latin typeface="Consolas" panose="020B0609020204030204" pitchFamily="49" charset="0"/>
+              </a:rPr>
+              <a:t>POST</a:t>
+            </a:r>
+            <a:r>
+              <a:rPr lang="en-GB" sz="1050" b="0" dirty="0">
+                <a:solidFill>
+                  <a:srgbClr val="000000"/>
+                </a:solidFill>
+                <a:effectLst/>
+                <a:latin typeface="Consolas" panose="020B0609020204030204" pitchFamily="49" charset="0"/>
+              </a:rPr>
+              <a:t> </a:t>
+            </a:r>
+            <a:r>
+              <a:rPr lang="en-GB" sz="1050" b="0" dirty="0">
+                <a:solidFill>
+                  <a:srgbClr val="A31515"/>
+                </a:solidFill>
+                <a:effectLst/>
+                <a:latin typeface="Consolas" panose="020B0609020204030204" pitchFamily="49" charset="0"/>
+              </a:rPr>
+              <a:t>http://localhost:5024</a:t>
+            </a:r>
+            <a:r>
+              <a:rPr lang="en-GB" sz="1050" b="0" dirty="0">
+                <a:solidFill>
+                  <a:srgbClr val="000000"/>
+                </a:solidFill>
+                <a:effectLst/>
+                <a:latin typeface="Consolas" panose="020B0609020204030204" pitchFamily="49" charset="0"/>
+              </a:rPr>
+              <a:t>/auth/register</a:t>
+            </a:r>
+          </a:p>
+          <a:p>
+            <a:pPr>
+              <a:lnSpc>
+                <a:spcPct val="150000"/>
+              </a:lnSpc>
+            </a:pPr>
+            <a:r>
+              <a:rPr lang="en-GB" sz="1050" b="0" dirty="0">
+                <a:solidFill>
+                  <a:srgbClr val="800000"/>
+                </a:solidFill>
+                <a:effectLst/>
+                <a:latin typeface="Consolas" panose="020B0609020204030204" pitchFamily="49" charset="0"/>
+              </a:rPr>
+              <a:t>Content-Type</a:t>
+            </a:r>
+            <a:r>
+              <a:rPr lang="en-GB" sz="1050" b="0" dirty="0">
+                <a:solidFill>
+                  <a:srgbClr val="0000FF"/>
+                </a:solidFill>
+                <a:effectLst/>
+                <a:latin typeface="Consolas" panose="020B0609020204030204" pitchFamily="49" charset="0"/>
+              </a:rPr>
+              <a:t>:</a:t>
+            </a:r>
+            <a:r>
+              <a:rPr lang="en-GB" sz="1050" b="0" dirty="0">
+                <a:solidFill>
+                  <a:srgbClr val="000000"/>
+                </a:solidFill>
+                <a:effectLst/>
+                <a:latin typeface="Consolas" panose="020B0609020204030204" pitchFamily="49" charset="0"/>
+              </a:rPr>
+              <a:t> </a:t>
+            </a:r>
+            <a:r>
+              <a:rPr lang="en-GB" sz="1050" b="0" dirty="0">
+                <a:solidFill>
+                  <a:srgbClr val="A31515"/>
+                </a:solidFill>
+                <a:effectLst/>
+                <a:latin typeface="Consolas" panose="020B0609020204030204" pitchFamily="49" charset="0"/>
+              </a:rPr>
+              <a:t>application/</a:t>
+            </a:r>
+            <a:r>
+              <a:rPr lang="en-GB" sz="1050" b="0" dirty="0" err="1">
+                <a:solidFill>
+                  <a:srgbClr val="A31515"/>
+                </a:solidFill>
+                <a:effectLst/>
+                <a:latin typeface="Consolas" panose="020B0609020204030204" pitchFamily="49" charset="0"/>
+              </a:rPr>
+              <a:t>json</a:t>
+            </a:r>
+            <a:endParaRPr lang="en-GB" sz="1050" b="0" dirty="0">
+              <a:solidFill>
+                <a:srgbClr val="000000"/>
+              </a:solidFill>
+              <a:effectLst/>
+              <a:latin typeface="Consolas" panose="020B0609020204030204" pitchFamily="49" charset="0"/>
+            </a:endParaRPr>
+          </a:p>
+          <a:p>
+            <a:pPr>
+              <a:lnSpc>
+                <a:spcPct val="150000"/>
+              </a:lnSpc>
+            </a:pPr>
+            <a:br>
+              <a:rPr lang="en-GB" sz="1050" b="0" dirty="0">
+                <a:solidFill>
+                  <a:srgbClr val="000000"/>
+                </a:solidFill>
+                <a:effectLst/>
+                <a:latin typeface="Consolas" panose="020B0609020204030204" pitchFamily="49" charset="0"/>
+              </a:rPr>
+            </a:br>
+            <a:r>
+              <a:rPr lang="en-GB" sz="1050" b="0" dirty="0">
+                <a:solidFill>
+                  <a:srgbClr val="000000"/>
+                </a:solidFill>
+                <a:effectLst/>
+                <a:latin typeface="Consolas" panose="020B0609020204030204" pitchFamily="49" charset="0"/>
+              </a:rPr>
+              <a:t>{</a:t>
+            </a:r>
+          </a:p>
+          <a:p>
+            <a:pPr>
+              <a:lnSpc>
+                <a:spcPct val="150000"/>
+              </a:lnSpc>
+            </a:pPr>
+            <a:r>
+              <a:rPr lang="en-GB" sz="1050" b="0" dirty="0">
+                <a:solidFill>
+                  <a:srgbClr val="000000"/>
+                </a:solidFill>
+                <a:effectLst/>
+                <a:latin typeface="Consolas" panose="020B0609020204030204" pitchFamily="49" charset="0"/>
+              </a:rPr>
+              <a:t>    </a:t>
+            </a:r>
+            <a:r>
+              <a:rPr lang="en-GB" sz="1050" b="0" dirty="0">
+                <a:solidFill>
+                  <a:srgbClr val="0451A5"/>
+                </a:solidFill>
+                <a:effectLst/>
+                <a:latin typeface="Consolas" panose="020B0609020204030204" pitchFamily="49" charset="0"/>
+              </a:rPr>
+              <a:t>"</a:t>
+            </a:r>
+            <a:r>
+              <a:rPr lang="en-GB" sz="1050" b="0" dirty="0" err="1">
+                <a:solidFill>
+                  <a:srgbClr val="0451A5"/>
+                </a:solidFill>
+                <a:effectLst/>
+                <a:latin typeface="Consolas" panose="020B0609020204030204" pitchFamily="49" charset="0"/>
+              </a:rPr>
+              <a:t>firstName</a:t>
+            </a:r>
+            <a:r>
+              <a:rPr lang="en-GB" sz="1050" b="0" dirty="0">
+                <a:solidFill>
+                  <a:srgbClr val="0451A5"/>
+                </a:solidFill>
+                <a:effectLst/>
+                <a:latin typeface="Consolas" panose="020B0609020204030204" pitchFamily="49" charset="0"/>
+              </a:rPr>
+              <a:t>"</a:t>
+            </a:r>
+            <a:r>
+              <a:rPr lang="en-GB" sz="1050" b="0" dirty="0">
+                <a:solidFill>
+                  <a:srgbClr val="000000"/>
+                </a:solidFill>
+                <a:effectLst/>
+                <a:latin typeface="Consolas" panose="020B0609020204030204" pitchFamily="49" charset="0"/>
+              </a:rPr>
+              <a:t>: </a:t>
+            </a:r>
+            <a:r>
+              <a:rPr lang="en-GB" sz="1050" b="0" dirty="0">
+                <a:solidFill>
+                  <a:srgbClr val="A31515"/>
+                </a:solidFill>
+                <a:effectLst/>
+                <a:latin typeface="Consolas" panose="020B0609020204030204" pitchFamily="49" charset="0"/>
+              </a:rPr>
+              <a:t>"</a:t>
+            </a:r>
+            <a:r>
+              <a:rPr lang="en-GB" sz="1050" b="0" dirty="0" err="1">
+                <a:solidFill>
+                  <a:srgbClr val="A31515"/>
+                </a:solidFill>
+                <a:effectLst/>
+                <a:latin typeface="Consolas" panose="020B0609020204030204" pitchFamily="49" charset="0"/>
+              </a:rPr>
+              <a:t>Amichai</a:t>
+            </a:r>
+            <a:r>
+              <a:rPr lang="en-GB" sz="1050" b="0" dirty="0">
+                <a:solidFill>
+                  <a:srgbClr val="A31515"/>
+                </a:solidFill>
+                <a:effectLst/>
+                <a:latin typeface="Consolas" panose="020B0609020204030204" pitchFamily="49" charset="0"/>
+              </a:rPr>
+              <a:t>"</a:t>
+            </a:r>
+            <a:r>
+              <a:rPr lang="en-GB" sz="1050" b="0" dirty="0">
+                <a:solidFill>
+                  <a:srgbClr val="000000"/>
+                </a:solidFill>
+                <a:effectLst/>
+                <a:latin typeface="Consolas" panose="020B0609020204030204" pitchFamily="49" charset="0"/>
+              </a:rPr>
+              <a:t>,</a:t>
+            </a:r>
+          </a:p>
+          <a:p>
+            <a:pPr>
+              <a:lnSpc>
+                <a:spcPct val="150000"/>
+              </a:lnSpc>
+            </a:pPr>
+            <a:r>
+              <a:rPr lang="en-GB" sz="1050" b="0" dirty="0">
+                <a:solidFill>
+                  <a:srgbClr val="000000"/>
+                </a:solidFill>
+                <a:effectLst/>
+                <a:latin typeface="Consolas" panose="020B0609020204030204" pitchFamily="49" charset="0"/>
+              </a:rPr>
+              <a:t>    </a:t>
+            </a:r>
+            <a:r>
+              <a:rPr lang="en-GB" sz="1050" b="0" dirty="0">
+                <a:solidFill>
+                  <a:srgbClr val="0451A5"/>
+                </a:solidFill>
+                <a:effectLst/>
+                <a:latin typeface="Consolas" panose="020B0609020204030204" pitchFamily="49" charset="0"/>
+              </a:rPr>
+              <a:t>"</a:t>
+            </a:r>
+            <a:r>
+              <a:rPr lang="en-GB" sz="1050" b="0" dirty="0" err="1">
+                <a:solidFill>
+                  <a:srgbClr val="0451A5"/>
+                </a:solidFill>
+                <a:effectLst/>
+                <a:latin typeface="Consolas" panose="020B0609020204030204" pitchFamily="49" charset="0"/>
+              </a:rPr>
+              <a:t>lastName</a:t>
+            </a:r>
+            <a:r>
+              <a:rPr lang="en-GB" sz="1050" b="0" dirty="0">
+                <a:solidFill>
+                  <a:srgbClr val="0451A5"/>
+                </a:solidFill>
+                <a:effectLst/>
+                <a:latin typeface="Consolas" panose="020B0609020204030204" pitchFamily="49" charset="0"/>
+              </a:rPr>
+              <a:t>"</a:t>
+            </a:r>
+            <a:r>
+              <a:rPr lang="en-GB" sz="1050" b="0" dirty="0">
+                <a:solidFill>
+                  <a:srgbClr val="000000"/>
+                </a:solidFill>
+                <a:effectLst/>
+                <a:latin typeface="Consolas" panose="020B0609020204030204" pitchFamily="49" charset="0"/>
+              </a:rPr>
+              <a:t>: </a:t>
+            </a:r>
+            <a:r>
+              <a:rPr lang="en-GB" sz="1050" b="0" dirty="0">
+                <a:solidFill>
+                  <a:srgbClr val="A31515"/>
+                </a:solidFill>
+                <a:effectLst/>
+                <a:latin typeface="Consolas" panose="020B0609020204030204" pitchFamily="49" charset="0"/>
+              </a:rPr>
+              <a:t>"</a:t>
+            </a:r>
+            <a:r>
+              <a:rPr lang="en-GB" sz="1050" b="0" dirty="0" err="1">
+                <a:solidFill>
+                  <a:srgbClr val="A31515"/>
+                </a:solidFill>
+                <a:effectLst/>
+                <a:latin typeface="Consolas" panose="020B0609020204030204" pitchFamily="49" charset="0"/>
+              </a:rPr>
+              <a:t>mantinband</a:t>
+            </a:r>
+            <a:r>
+              <a:rPr lang="en-GB" sz="1050" b="0" dirty="0">
+                <a:solidFill>
+                  <a:srgbClr val="A31515"/>
+                </a:solidFill>
+                <a:effectLst/>
+                <a:latin typeface="Consolas" panose="020B0609020204030204" pitchFamily="49" charset="0"/>
+              </a:rPr>
+              <a:t>"</a:t>
+            </a:r>
+            <a:r>
+              <a:rPr lang="en-GB" sz="1050" b="0" dirty="0">
+                <a:solidFill>
+                  <a:srgbClr val="000000"/>
+                </a:solidFill>
+                <a:effectLst/>
+                <a:latin typeface="Consolas" panose="020B0609020204030204" pitchFamily="49" charset="0"/>
+              </a:rPr>
+              <a:t>,</a:t>
+            </a:r>
+          </a:p>
+          <a:p>
+            <a:pPr>
+              <a:lnSpc>
+                <a:spcPct val="150000"/>
+              </a:lnSpc>
+            </a:pPr>
+            <a:r>
+              <a:rPr lang="en-GB" sz="1050" b="0" dirty="0">
+                <a:solidFill>
+                  <a:srgbClr val="000000"/>
+                </a:solidFill>
+                <a:effectLst/>
+                <a:latin typeface="Consolas" panose="020B0609020204030204" pitchFamily="49" charset="0"/>
+              </a:rPr>
+              <a:t>    </a:t>
+            </a:r>
+            <a:r>
+              <a:rPr lang="en-GB" sz="1050" b="0" dirty="0">
+                <a:solidFill>
+                  <a:srgbClr val="0451A5"/>
+                </a:solidFill>
+                <a:effectLst/>
+                <a:latin typeface="Consolas" panose="020B0609020204030204" pitchFamily="49" charset="0"/>
+              </a:rPr>
+              <a:t>"email"</a:t>
+            </a:r>
+            <a:r>
+              <a:rPr lang="en-GB" sz="1050" b="0" dirty="0">
+                <a:solidFill>
+                  <a:srgbClr val="000000"/>
+                </a:solidFill>
+                <a:effectLst/>
+                <a:latin typeface="Consolas" panose="020B0609020204030204" pitchFamily="49" charset="0"/>
+              </a:rPr>
+              <a:t>: </a:t>
+            </a:r>
+            <a:r>
+              <a:rPr lang="en-GB" sz="1050" b="0" dirty="0">
+                <a:solidFill>
+                  <a:srgbClr val="A31515"/>
+                </a:solidFill>
+                <a:effectLst/>
+                <a:latin typeface="Consolas" panose="020B0609020204030204" pitchFamily="49" charset="0"/>
+              </a:rPr>
+              <a:t>"amichai@mantinband.com"</a:t>
+            </a:r>
+            <a:r>
+              <a:rPr lang="en-GB" sz="1050" b="0" dirty="0">
+                <a:solidFill>
+                  <a:srgbClr val="000000"/>
+                </a:solidFill>
+                <a:effectLst/>
+                <a:latin typeface="Consolas" panose="020B0609020204030204" pitchFamily="49" charset="0"/>
+              </a:rPr>
+              <a:t>,</a:t>
+            </a:r>
+          </a:p>
+          <a:p>
+            <a:pPr>
+              <a:lnSpc>
+                <a:spcPct val="150000"/>
+              </a:lnSpc>
+            </a:pPr>
+            <a:r>
+              <a:rPr lang="en-GB" sz="1050" b="0" dirty="0">
+                <a:solidFill>
+                  <a:srgbClr val="000000"/>
+                </a:solidFill>
+                <a:effectLst/>
+                <a:latin typeface="Consolas" panose="020B0609020204030204" pitchFamily="49" charset="0"/>
+              </a:rPr>
+              <a:t>    </a:t>
+            </a:r>
+            <a:r>
+              <a:rPr lang="en-GB" sz="1050" b="0" dirty="0">
+                <a:solidFill>
+                  <a:srgbClr val="0451A5"/>
+                </a:solidFill>
+                <a:effectLst/>
+                <a:latin typeface="Consolas" panose="020B0609020204030204" pitchFamily="49" charset="0"/>
+              </a:rPr>
+              <a:t>"password"</a:t>
+            </a:r>
+            <a:r>
+              <a:rPr lang="en-GB" sz="1050" b="0" dirty="0">
+                <a:solidFill>
+                  <a:srgbClr val="000000"/>
+                </a:solidFill>
+                <a:effectLst/>
+                <a:latin typeface="Consolas" panose="020B0609020204030204" pitchFamily="49" charset="0"/>
+              </a:rPr>
+              <a:t>: </a:t>
+            </a:r>
+            <a:r>
+              <a:rPr lang="en-GB" sz="1050" b="0" dirty="0">
+                <a:solidFill>
+                  <a:srgbClr val="A31515"/>
+                </a:solidFill>
+                <a:effectLst/>
+                <a:latin typeface="Consolas" panose="020B0609020204030204" pitchFamily="49" charset="0"/>
+              </a:rPr>
+              <a:t>"Amiko1232"</a:t>
+            </a:r>
+            <a:endParaRPr lang="en-GB" sz="1050" b="0" dirty="0">
+              <a:solidFill>
+                <a:srgbClr val="000000"/>
+              </a:solidFill>
+              <a:effectLst/>
+              <a:latin typeface="Consolas" panose="020B0609020204030204" pitchFamily="49" charset="0"/>
+            </a:endParaRPr>
+          </a:p>
+          <a:p>
+            <a:pPr>
+              <a:lnSpc>
+                <a:spcPct val="150000"/>
+              </a:lnSpc>
+            </a:pPr>
+            <a:r>
+              <a:rPr lang="en-GB" sz="1050" b="0" dirty="0">
+                <a:solidFill>
+                  <a:srgbClr val="000000"/>
+                </a:solidFill>
+                <a:effectLst/>
+                <a:latin typeface="Consolas" panose="020B0609020204030204" pitchFamily="49" charset="0"/>
+              </a:rPr>
+              <a:t>}</a:t>
+            </a:r>
+          </a:p>
+        </p:txBody>
+      </p:sp>
+      <p:sp>
+        <p:nvSpPr>
+          <p:cNvPr id="30" name="왼쪽 중괄호 29">
+            <a:extLst>
+              <a:ext uri="{FF2B5EF4-FFF2-40B4-BE49-F238E27FC236}">
+                <a16:creationId xmlns:a16="http://schemas.microsoft.com/office/drawing/2014/main" id="{954FCFE5-AC49-A304-3FC5-E91B06C93FCE}"/>
+              </a:ext>
+            </a:extLst>
+          </p:cNvPr>
+          <p:cNvSpPr/>
+          <p:nvPr/>
+        </p:nvSpPr>
+        <p:spPr>
+          <a:xfrm rot="10800000">
+            <a:off x="9912842" y="4244293"/>
+            <a:ext cx="158911" cy="365757"/>
+          </a:xfrm>
+          <a:prstGeom prst="leftBrace">
+            <a:avLst>
+              <a:gd name="adj1" fmla="val 24093"/>
+              <a:gd name="adj2" fmla="val 50000"/>
+            </a:avLst>
+          </a:prstGeom>
+          <a:ln w="19050">
+            <a:solidFill>
+              <a:srgbClr val="0070C0"/>
+            </a:solidFill>
+          </a:ln>
+        </p:spPr>
+        <p:style>
+          <a:lnRef idx="1">
+            <a:schemeClr val="accent1"/>
+          </a:lnRef>
+          <a:fillRef idx="0">
+            <a:schemeClr val="accent1"/>
+          </a:fillRef>
+          <a:effectRef idx="0">
+            <a:schemeClr val="accent1"/>
+          </a:effectRef>
+          <a:fontRef idx="minor">
+            <a:schemeClr val="tx1"/>
+          </a:fontRef>
+        </p:style>
+        <p:txBody>
+          <a:bodyPr rtlCol="0" anchor="ctr"/>
+          <a:lstStyle/>
+          <a:p>
+            <a:pPr algn="ctr"/>
+            <a:endParaRPr lang="en-GB"/>
+          </a:p>
+        </p:txBody>
+      </p:sp>
+      <p:cxnSp>
+        <p:nvCxnSpPr>
+          <p:cNvPr id="33" name="연결선: 꺾임 32">
+            <a:extLst>
+              <a:ext uri="{FF2B5EF4-FFF2-40B4-BE49-F238E27FC236}">
+                <a16:creationId xmlns:a16="http://schemas.microsoft.com/office/drawing/2014/main" id="{D43AA25B-8B6D-2628-F53C-61BC0CFB60A3}"/>
+              </a:ext>
+            </a:extLst>
+          </p:cNvPr>
+          <p:cNvCxnSpPr>
+            <a:cxnSpLocks/>
+          </p:cNvCxnSpPr>
+          <p:nvPr/>
+        </p:nvCxnSpPr>
+        <p:spPr>
+          <a:xfrm rot="5400000">
+            <a:off x="9002196" y="2718560"/>
+            <a:ext cx="2778170" cy="639056"/>
+          </a:xfrm>
+          <a:prstGeom prst="bentConnector2">
+            <a:avLst/>
+          </a:prstGeom>
+          <a:ln w="38100">
+            <a:solidFill>
+              <a:srgbClr val="0070C0"/>
+            </a:solidFill>
+            <a:tailEnd type="triangle"/>
+          </a:ln>
+        </p:spPr>
+        <p:style>
+          <a:lnRef idx="1">
+            <a:schemeClr val="accent1"/>
+          </a:lnRef>
+          <a:fillRef idx="0">
+            <a:schemeClr val="accent1"/>
+          </a:fillRef>
+          <a:effectRef idx="0">
+            <a:schemeClr val="accent1"/>
+          </a:effectRef>
+          <a:fontRef idx="minor">
+            <a:schemeClr val="tx1"/>
+          </a:fontRef>
+        </p:style>
+      </p:cxnSp>
+    </p:spTree>
+    <p:extLst>
+      <p:ext uri="{BB962C8B-B14F-4D97-AF65-F5344CB8AC3E}">
+        <p14:creationId xmlns:p14="http://schemas.microsoft.com/office/powerpoint/2010/main" val="1062632582"/>
+      </p:ext>
+    </p:extLst>
+  </p:cSld>
+  <p:clrMapOvr>
+    <a:masterClrMapping/>
+  </p:clrMapOvr>
+</p:sld>
+</file>
+
+<file path=ppt/slides/slide5.xml><?xml version="1.0" encoding="utf-8"?>
+<p:sld xmlns:a="http://schemas.openxmlformats.org/drawingml/2006/main" xmlns:r="http://schemas.openxmlformats.org/officeDocument/2006/relationships" xmlns:p="http://schemas.openxmlformats.org/presentationml/2006/main">
+  <p:cSld>
+    <p:spTree>
+      <p:nvGrpSpPr>
+        <p:cNvPr id="1" name=""/>
+        <p:cNvGrpSpPr/>
+        <p:nvPr/>
+      </p:nvGrpSpPr>
+      <p:grpSpPr>
+        <a:xfrm>
+          <a:off x="0" y="0"/>
+          <a:ext cx="0" cy="0"/>
+          <a:chOff x="0" y="0"/>
+          <a:chExt cx="0" cy="0"/>
+        </a:xfrm>
+      </p:grpSpPr>
+      <p:sp>
+        <p:nvSpPr>
+          <p:cNvPr id="26" name="직사각형 25">
+            <a:extLst>
+              <a:ext uri="{FF2B5EF4-FFF2-40B4-BE49-F238E27FC236}">
+                <a16:creationId xmlns:a16="http://schemas.microsoft.com/office/drawing/2014/main" id="{55B31956-B6DA-5685-7C17-477043A020C3}"/>
+              </a:ext>
+            </a:extLst>
+          </p:cNvPr>
+          <p:cNvSpPr/>
+          <p:nvPr/>
+        </p:nvSpPr>
+        <p:spPr>
+          <a:xfrm>
+            <a:off x="8595693" y="1625050"/>
+            <a:ext cx="1383200" cy="979005"/>
+          </a:xfrm>
+          <a:prstGeom prst="rect">
+            <a:avLst/>
+          </a:prstGeom>
+          <a:solidFill>
+            <a:schemeClr val="accent1">
+              <a:lumMod val="20000"/>
+              <a:lumOff val="80000"/>
+            </a:schemeClr>
+          </a:solidFill>
+          <a:ln>
+            <a:solidFill>
+              <a:schemeClr val="accent1">
+                <a:lumMod val="20000"/>
+                <a:lumOff val="80000"/>
+              </a:schemeClr>
+            </a:solidFill>
+          </a:ln>
+        </p:spPr>
+        <p:style>
+          <a:lnRef idx="2">
+            <a:schemeClr val="accent1">
+              <a:shade val="50000"/>
+            </a:schemeClr>
+          </a:lnRef>
+          <a:fillRef idx="1">
+            <a:schemeClr val="accent1"/>
+          </a:fillRef>
+          <a:effectRef idx="0">
+            <a:schemeClr val="accent1"/>
+          </a:effectRef>
+          <a:fontRef idx="minor">
+            <a:schemeClr val="lt1"/>
+          </a:fontRef>
+        </p:style>
+        <p:txBody>
+          <a:bodyPr rtlCol="0" anchor="ctr"/>
+          <a:lstStyle/>
+          <a:p>
+            <a:pPr algn="ctr"/>
+            <a:endParaRPr lang="en-GB"/>
+          </a:p>
+        </p:txBody>
+      </p:sp>
+      <p:sp>
+        <p:nvSpPr>
+          <p:cNvPr id="23" name="직사각형 22">
+            <a:extLst>
+              <a:ext uri="{FF2B5EF4-FFF2-40B4-BE49-F238E27FC236}">
+                <a16:creationId xmlns:a16="http://schemas.microsoft.com/office/drawing/2014/main" id="{DD5FF15F-23EF-6BDE-291E-B21900EFC77F}"/>
+              </a:ext>
+            </a:extLst>
+          </p:cNvPr>
+          <p:cNvSpPr/>
+          <p:nvPr/>
+        </p:nvSpPr>
+        <p:spPr>
+          <a:xfrm>
+            <a:off x="8814658" y="4054628"/>
+            <a:ext cx="1247361" cy="979005"/>
+          </a:xfrm>
+          <a:prstGeom prst="rect">
+            <a:avLst/>
+          </a:prstGeom>
+          <a:solidFill>
+            <a:srgbClr val="FFFF00"/>
+          </a:solidFill>
+          <a:ln>
+            <a:solidFill>
+              <a:srgbClr val="FFFF00"/>
+            </a:solidFill>
+          </a:ln>
+        </p:spPr>
+        <p:style>
+          <a:lnRef idx="2">
+            <a:schemeClr val="accent1">
+              <a:shade val="50000"/>
+            </a:schemeClr>
+          </a:lnRef>
+          <a:fillRef idx="1">
+            <a:schemeClr val="accent1"/>
+          </a:fillRef>
+          <a:effectRef idx="0">
+            <a:schemeClr val="accent1"/>
+          </a:effectRef>
+          <a:fontRef idx="minor">
+            <a:schemeClr val="lt1"/>
+          </a:fontRef>
+        </p:style>
+        <p:txBody>
+          <a:bodyPr rtlCol="0" anchor="ctr"/>
+          <a:lstStyle/>
+          <a:p>
+            <a:pPr algn="ctr"/>
+            <a:endParaRPr lang="en-GB"/>
+          </a:p>
+        </p:txBody>
+      </p:sp>
+      <p:sp>
+        <p:nvSpPr>
+          <p:cNvPr id="22" name="직사각형 21">
+            <a:extLst>
+              <a:ext uri="{FF2B5EF4-FFF2-40B4-BE49-F238E27FC236}">
+                <a16:creationId xmlns:a16="http://schemas.microsoft.com/office/drawing/2014/main" id="{92D7AED9-34A4-F1B7-D460-494DC5E2C591}"/>
+              </a:ext>
+            </a:extLst>
+          </p:cNvPr>
+          <p:cNvSpPr/>
+          <p:nvPr/>
+        </p:nvSpPr>
+        <p:spPr>
+          <a:xfrm>
+            <a:off x="10018646" y="1625050"/>
+            <a:ext cx="1247361" cy="979005"/>
+          </a:xfrm>
+          <a:prstGeom prst="rect">
+            <a:avLst/>
+          </a:prstGeom>
+          <a:solidFill>
+            <a:srgbClr val="FFFF00"/>
+          </a:solidFill>
+          <a:ln>
+            <a:solidFill>
+              <a:srgbClr val="FFFF00"/>
+            </a:solidFill>
+          </a:ln>
+        </p:spPr>
+        <p:style>
+          <a:lnRef idx="2">
+            <a:schemeClr val="accent1">
+              <a:shade val="50000"/>
+            </a:schemeClr>
+          </a:lnRef>
+          <a:fillRef idx="1">
+            <a:schemeClr val="accent1"/>
+          </a:fillRef>
+          <a:effectRef idx="0">
+            <a:schemeClr val="accent1"/>
+          </a:effectRef>
+          <a:fontRef idx="minor">
+            <a:schemeClr val="lt1"/>
+          </a:fontRef>
+        </p:style>
+        <p:txBody>
+          <a:bodyPr rtlCol="0" anchor="ctr"/>
+          <a:lstStyle/>
+          <a:p>
+            <a:pPr algn="ctr"/>
+            <a:endParaRPr lang="en-GB"/>
+          </a:p>
+        </p:txBody>
+      </p:sp>
+      <p:pic>
+        <p:nvPicPr>
+          <p:cNvPr id="5" name="그림 4">
+            <a:extLst>
+              <a:ext uri="{FF2B5EF4-FFF2-40B4-BE49-F238E27FC236}">
+                <a16:creationId xmlns:a16="http://schemas.microsoft.com/office/drawing/2014/main" id="{DC2A542E-C96B-0A67-3600-2387AC5A2ECB}"/>
+              </a:ext>
+            </a:extLst>
+          </p:cNvPr>
+          <p:cNvPicPr>
+            <a:picLocks noChangeAspect="1"/>
+          </p:cNvPicPr>
+          <p:nvPr/>
+        </p:nvPicPr>
+        <p:blipFill>
+          <a:blip r:embed="rId2"/>
+          <a:stretch>
+            <a:fillRect/>
+          </a:stretch>
+        </p:blipFill>
+        <p:spPr>
+          <a:xfrm>
+            <a:off x="2580963" y="233569"/>
+            <a:ext cx="3831324" cy="6390861"/>
+          </a:xfrm>
+          <a:prstGeom prst="rect">
+            <a:avLst/>
+          </a:prstGeom>
+        </p:spPr>
+      </p:pic>
+      <p:sp>
+        <p:nvSpPr>
+          <p:cNvPr id="6" name="사각형: 둥근 모서리 5">
+            <a:extLst>
+              <a:ext uri="{FF2B5EF4-FFF2-40B4-BE49-F238E27FC236}">
+                <a16:creationId xmlns:a16="http://schemas.microsoft.com/office/drawing/2014/main" id="{534C6661-E0A1-3B84-05D2-DD670DBA4D65}"/>
+              </a:ext>
+            </a:extLst>
+          </p:cNvPr>
+          <p:cNvSpPr/>
+          <p:nvPr/>
+        </p:nvSpPr>
+        <p:spPr>
+          <a:xfrm>
+            <a:off x="2302562" y="1620078"/>
+            <a:ext cx="4388126" cy="1013792"/>
+          </a:xfrm>
+          <a:prstGeom prst="roundRect">
+            <a:avLst/>
+          </a:prstGeom>
+          <a:noFill/>
+          <a:ln w="57150">
+            <a:solidFill>
+              <a:srgbClr val="C00000"/>
+            </a:solidFill>
+          </a:ln>
+        </p:spPr>
+        <p:style>
+          <a:lnRef idx="2">
+            <a:schemeClr val="dk1"/>
+          </a:lnRef>
+          <a:fillRef idx="1">
+            <a:schemeClr val="lt1"/>
+          </a:fillRef>
+          <a:effectRef idx="0">
+            <a:schemeClr val="dk1"/>
+          </a:effectRef>
+          <a:fontRef idx="minor">
+            <a:schemeClr val="dk1"/>
+          </a:fontRef>
+        </p:style>
+        <p:txBody>
+          <a:bodyPr rtlCol="0" anchor="ctr"/>
+          <a:lstStyle/>
+          <a:p>
+            <a:pPr algn="ctr"/>
+            <a:endParaRPr lang="en-GB">
+              <a:solidFill>
+                <a:schemeClr val="dk1"/>
+              </a:solidFill>
+            </a:endParaRPr>
+          </a:p>
+        </p:txBody>
+      </p:sp>
+      <p:sp>
+        <p:nvSpPr>
+          <p:cNvPr id="7" name="사각형: 둥근 모서리 6">
+            <a:extLst>
+              <a:ext uri="{FF2B5EF4-FFF2-40B4-BE49-F238E27FC236}">
+                <a16:creationId xmlns:a16="http://schemas.microsoft.com/office/drawing/2014/main" id="{04ED250A-4B43-91C5-6ABB-072DE84146C0}"/>
+              </a:ext>
+            </a:extLst>
+          </p:cNvPr>
+          <p:cNvSpPr/>
+          <p:nvPr/>
+        </p:nvSpPr>
+        <p:spPr>
+          <a:xfrm>
+            <a:off x="2302562" y="3988906"/>
+            <a:ext cx="4388126" cy="1174472"/>
+          </a:xfrm>
+          <a:prstGeom prst="roundRect">
+            <a:avLst/>
+          </a:prstGeom>
+          <a:noFill/>
+          <a:ln w="57150">
+            <a:solidFill>
+              <a:srgbClr val="C00000"/>
+            </a:solidFill>
+          </a:ln>
+        </p:spPr>
+        <p:style>
+          <a:lnRef idx="2">
+            <a:schemeClr val="dk1"/>
+          </a:lnRef>
+          <a:fillRef idx="1">
+            <a:schemeClr val="lt1"/>
+          </a:fillRef>
+          <a:effectRef idx="0">
+            <a:schemeClr val="dk1"/>
+          </a:effectRef>
+          <a:fontRef idx="minor">
+            <a:schemeClr val="dk1"/>
+          </a:fontRef>
+        </p:style>
+        <p:txBody>
+          <a:bodyPr rtlCol="0" anchor="ctr"/>
+          <a:lstStyle/>
+          <a:p>
+            <a:pPr algn="ctr"/>
+            <a:endParaRPr lang="en-GB">
+              <a:solidFill>
+                <a:schemeClr val="dk1"/>
+              </a:solidFill>
+            </a:endParaRPr>
+          </a:p>
+        </p:txBody>
+      </p:sp>
+      <p:sp>
+        <p:nvSpPr>
+          <p:cNvPr id="8" name="TextBox 7">
+            <a:extLst>
+              <a:ext uri="{FF2B5EF4-FFF2-40B4-BE49-F238E27FC236}">
+                <a16:creationId xmlns:a16="http://schemas.microsoft.com/office/drawing/2014/main" id="{66C83360-D309-DCBA-0E44-DD3C75F6E166}"/>
+              </a:ext>
+            </a:extLst>
+          </p:cNvPr>
+          <p:cNvSpPr txBox="1"/>
+          <p:nvPr/>
+        </p:nvSpPr>
+        <p:spPr>
+          <a:xfrm>
+            <a:off x="332958" y="1674743"/>
+            <a:ext cx="1869423" cy="790794"/>
+          </a:xfrm>
+          <a:prstGeom prst="rect">
+            <a:avLst/>
+          </a:prstGeom>
+          <a:noFill/>
+        </p:spPr>
+        <p:txBody>
+          <a:bodyPr wrap="none" rtlCol="0">
+            <a:spAutoFit/>
+          </a:bodyPr>
+          <a:lstStyle/>
+          <a:p>
+            <a:pPr>
+              <a:lnSpc>
+                <a:spcPct val="150000"/>
+              </a:lnSpc>
+            </a:pPr>
+            <a:r>
+              <a:rPr lang="en-GB" altLang="ko-KR" sz="1600" b="1" dirty="0"/>
+              <a:t>1. </a:t>
+            </a:r>
+            <a:r>
+              <a:rPr lang="ko-KR" altLang="en-US" sz="1600" b="1" dirty="0"/>
+              <a:t>인터페이스 정의</a:t>
+            </a:r>
+            <a:endParaRPr lang="en-GB" altLang="ko-KR" sz="1600" b="1" dirty="0"/>
+          </a:p>
+          <a:p>
+            <a:pPr>
+              <a:lnSpc>
+                <a:spcPct val="150000"/>
+              </a:lnSpc>
+            </a:pPr>
+            <a:r>
+              <a:rPr lang="en-GB" altLang="ko-KR" sz="1600" b="1" dirty="0"/>
+              <a:t>2. </a:t>
+            </a:r>
+            <a:r>
+              <a:rPr lang="ko-KR" altLang="en-US" sz="1600" b="1" dirty="0"/>
+              <a:t>인터페이스 사용</a:t>
+            </a:r>
+            <a:endParaRPr lang="en-GB" sz="1600" b="1" dirty="0"/>
+          </a:p>
+        </p:txBody>
+      </p:sp>
+      <p:sp>
+        <p:nvSpPr>
+          <p:cNvPr id="9" name="TextBox 8">
+            <a:extLst>
+              <a:ext uri="{FF2B5EF4-FFF2-40B4-BE49-F238E27FC236}">
+                <a16:creationId xmlns:a16="http://schemas.microsoft.com/office/drawing/2014/main" id="{9E750487-39E5-9EF2-5F99-4C494A8AA52B}"/>
+              </a:ext>
+            </a:extLst>
+          </p:cNvPr>
+          <p:cNvSpPr txBox="1"/>
+          <p:nvPr/>
+        </p:nvSpPr>
+        <p:spPr>
+          <a:xfrm>
+            <a:off x="382654" y="4333400"/>
+            <a:ext cx="1872629" cy="421462"/>
+          </a:xfrm>
+          <a:prstGeom prst="rect">
+            <a:avLst/>
+          </a:prstGeom>
+          <a:noFill/>
+        </p:spPr>
+        <p:txBody>
+          <a:bodyPr wrap="none" rtlCol="0">
+            <a:spAutoFit/>
+          </a:bodyPr>
+          <a:lstStyle/>
+          <a:p>
+            <a:pPr>
+              <a:lnSpc>
+                <a:spcPct val="150000"/>
+              </a:lnSpc>
+            </a:pPr>
+            <a:r>
+              <a:rPr lang="en-GB" altLang="ko-KR" sz="1600" b="1" dirty="0"/>
+              <a:t>3. </a:t>
+            </a:r>
+            <a:r>
+              <a:rPr lang="ko-KR" altLang="en-US" sz="1600" b="1" dirty="0"/>
+              <a:t>인터페이스 구현</a:t>
+            </a:r>
+            <a:endParaRPr lang="en-GB" sz="1600" b="1" dirty="0"/>
+          </a:p>
+        </p:txBody>
+      </p:sp>
+      <p:sp>
+        <p:nvSpPr>
+          <p:cNvPr id="13" name="TextBox 12">
+            <a:extLst>
+              <a:ext uri="{FF2B5EF4-FFF2-40B4-BE49-F238E27FC236}">
+                <a16:creationId xmlns:a16="http://schemas.microsoft.com/office/drawing/2014/main" id="{805CC4A0-1B10-8FF1-2D90-0125ABE1EAC5}"/>
+              </a:ext>
+            </a:extLst>
+          </p:cNvPr>
+          <p:cNvSpPr txBox="1"/>
+          <p:nvPr/>
+        </p:nvSpPr>
+        <p:spPr>
+          <a:xfrm>
+            <a:off x="6898996" y="4231996"/>
+            <a:ext cx="3831324" cy="276999"/>
+          </a:xfrm>
+          <a:prstGeom prst="rect">
+            <a:avLst/>
+          </a:prstGeom>
+          <a:noFill/>
+        </p:spPr>
+        <p:txBody>
+          <a:bodyPr wrap="square">
+            <a:spAutoFit/>
+          </a:bodyPr>
+          <a:lstStyle/>
+          <a:p>
+            <a:r>
+              <a:rPr lang="en-GB" sz="1200" dirty="0" err="1">
+                <a:latin typeface="맑은 고딕" panose="020B0503020000020004" pitchFamily="50" charset="-127"/>
+                <a:ea typeface="맑은 고딕" panose="020B0503020000020004" pitchFamily="50" charset="-127"/>
+              </a:rPr>
+              <a:t>BuberDinner.Infrastructure.</a:t>
+            </a:r>
+            <a:r>
+              <a:rPr lang="en-GB" sz="1200" dirty="0" err="1">
+                <a:solidFill>
+                  <a:srgbClr val="C00000"/>
+                </a:solidFill>
+                <a:latin typeface="맑은 고딕" panose="020B0503020000020004" pitchFamily="50" charset="-127"/>
+                <a:ea typeface="맑은 고딕" panose="020B0503020000020004" pitchFamily="50" charset="-127"/>
+              </a:rPr>
+              <a:t>Authentication</a:t>
+            </a:r>
+            <a:endParaRPr lang="en-GB" sz="1200" dirty="0">
+              <a:solidFill>
+                <a:srgbClr val="C00000"/>
+              </a:solidFill>
+              <a:latin typeface="맑은 고딕" panose="020B0503020000020004" pitchFamily="50" charset="-127"/>
+              <a:ea typeface="맑은 고딕" panose="020B0503020000020004" pitchFamily="50" charset="-127"/>
+            </a:endParaRPr>
+          </a:p>
+        </p:txBody>
+      </p:sp>
+      <p:sp>
+        <p:nvSpPr>
+          <p:cNvPr id="14" name="TextBox 13">
+            <a:extLst>
+              <a:ext uri="{FF2B5EF4-FFF2-40B4-BE49-F238E27FC236}">
+                <a16:creationId xmlns:a16="http://schemas.microsoft.com/office/drawing/2014/main" id="{E1F3B823-B5EE-249C-7C41-C280466FFD47}"/>
+              </a:ext>
+            </a:extLst>
+          </p:cNvPr>
+          <p:cNvSpPr txBox="1"/>
+          <p:nvPr/>
+        </p:nvSpPr>
+        <p:spPr>
+          <a:xfrm>
+            <a:off x="6898996" y="4643289"/>
+            <a:ext cx="3831324" cy="276999"/>
+          </a:xfrm>
+          <a:prstGeom prst="rect">
+            <a:avLst/>
+          </a:prstGeom>
+          <a:noFill/>
+        </p:spPr>
+        <p:txBody>
+          <a:bodyPr wrap="square">
+            <a:spAutoFit/>
+          </a:bodyPr>
+          <a:lstStyle/>
+          <a:p>
+            <a:r>
+              <a:rPr lang="en-GB" sz="1200" dirty="0" err="1">
+                <a:latin typeface="맑은 고딕" panose="020B0503020000020004" pitchFamily="50" charset="-127"/>
+                <a:ea typeface="맑은 고딕" panose="020B0503020000020004" pitchFamily="50" charset="-127"/>
+              </a:rPr>
+              <a:t>BuberDinner.Infrastructure.</a:t>
+            </a:r>
+            <a:r>
+              <a:rPr lang="en-GB" sz="1200" dirty="0" err="1">
+                <a:solidFill>
+                  <a:srgbClr val="C00000"/>
+                </a:solidFill>
+                <a:latin typeface="맑은 고딕" panose="020B0503020000020004" pitchFamily="50" charset="-127"/>
+                <a:ea typeface="맑은 고딕" panose="020B0503020000020004" pitchFamily="50" charset="-127"/>
+              </a:rPr>
+              <a:t>Services</a:t>
+            </a:r>
+            <a:endParaRPr lang="en-GB" sz="1200" dirty="0">
+              <a:solidFill>
+                <a:srgbClr val="C00000"/>
+              </a:solidFill>
+              <a:latin typeface="맑은 고딕" panose="020B0503020000020004" pitchFamily="50" charset="-127"/>
+              <a:ea typeface="맑은 고딕" panose="020B0503020000020004" pitchFamily="50" charset="-127"/>
+            </a:endParaRPr>
+          </a:p>
+        </p:txBody>
+      </p:sp>
+      <p:sp>
+        <p:nvSpPr>
+          <p:cNvPr id="18" name="TextBox 17">
+            <a:extLst>
+              <a:ext uri="{FF2B5EF4-FFF2-40B4-BE49-F238E27FC236}">
+                <a16:creationId xmlns:a16="http://schemas.microsoft.com/office/drawing/2014/main" id="{2B2DA577-C20B-8C75-6C75-1EF5821C27DD}"/>
+              </a:ext>
+            </a:extLst>
+          </p:cNvPr>
+          <p:cNvSpPr txBox="1"/>
+          <p:nvPr/>
+        </p:nvSpPr>
+        <p:spPr>
+          <a:xfrm>
+            <a:off x="6790869" y="1794430"/>
+            <a:ext cx="4534771" cy="276999"/>
+          </a:xfrm>
+          <a:prstGeom prst="rect">
+            <a:avLst/>
+          </a:prstGeom>
+          <a:noFill/>
+        </p:spPr>
+        <p:txBody>
+          <a:bodyPr wrap="square">
+            <a:spAutoFit/>
+          </a:bodyPr>
+          <a:lstStyle>
+            <a:defPPr>
+              <a:defRPr lang="en-US"/>
+            </a:defPPr>
+            <a:lvl1pPr>
+              <a:defRPr sz="1400">
+                <a:latin typeface="맑은 고딕" panose="020B0503020000020004" pitchFamily="50" charset="-127"/>
+                <a:ea typeface="맑은 고딕" panose="020B0503020000020004" pitchFamily="50" charset="-127"/>
+              </a:defRPr>
+            </a:lvl1pPr>
+          </a:lstStyle>
+          <a:p>
+            <a:r>
+              <a:rPr lang="en-GB" sz="1200" dirty="0" err="1"/>
+              <a:t>BuberDinner.Application.</a:t>
+            </a:r>
+            <a:r>
+              <a:rPr lang="en-GB" sz="1200" b="1" dirty="0" err="1"/>
+              <a:t>Common.Interfaces</a:t>
+            </a:r>
+            <a:r>
+              <a:rPr lang="en-GB" sz="1200" dirty="0" err="1"/>
+              <a:t>.</a:t>
+            </a:r>
+            <a:r>
+              <a:rPr lang="en-GB" sz="1200" dirty="0" err="1">
+                <a:solidFill>
+                  <a:srgbClr val="C00000"/>
+                </a:solidFill>
+              </a:rPr>
+              <a:t>Authentication</a:t>
+            </a:r>
+            <a:endParaRPr lang="en-GB" sz="1200" dirty="0">
+              <a:solidFill>
+                <a:srgbClr val="C00000"/>
+              </a:solidFill>
+            </a:endParaRPr>
+          </a:p>
+        </p:txBody>
+      </p:sp>
+      <p:sp>
+        <p:nvSpPr>
+          <p:cNvPr id="19" name="TextBox 18">
+            <a:extLst>
+              <a:ext uri="{FF2B5EF4-FFF2-40B4-BE49-F238E27FC236}">
+                <a16:creationId xmlns:a16="http://schemas.microsoft.com/office/drawing/2014/main" id="{5E4BF80A-0BA0-B471-F576-9DEA307C7EA2}"/>
+              </a:ext>
+            </a:extLst>
+          </p:cNvPr>
+          <p:cNvSpPr txBox="1"/>
+          <p:nvPr/>
+        </p:nvSpPr>
+        <p:spPr>
+          <a:xfrm>
+            <a:off x="6790869" y="2182520"/>
+            <a:ext cx="4534771" cy="276999"/>
+          </a:xfrm>
+          <a:prstGeom prst="rect">
+            <a:avLst/>
+          </a:prstGeom>
+          <a:noFill/>
+        </p:spPr>
+        <p:txBody>
+          <a:bodyPr wrap="square">
+            <a:spAutoFit/>
+          </a:bodyPr>
+          <a:lstStyle>
+            <a:defPPr>
+              <a:defRPr lang="en-US"/>
+            </a:defPPr>
+            <a:lvl1pPr>
+              <a:defRPr sz="1400">
+                <a:latin typeface="맑은 고딕" panose="020B0503020000020004" pitchFamily="50" charset="-127"/>
+                <a:ea typeface="맑은 고딕" panose="020B0503020000020004" pitchFamily="50" charset="-127"/>
+              </a:defRPr>
+            </a:lvl1pPr>
+          </a:lstStyle>
+          <a:p>
+            <a:r>
+              <a:rPr lang="en-GB" sz="1200" dirty="0" err="1"/>
+              <a:t>BuberDinner.Application.</a:t>
+            </a:r>
+            <a:r>
+              <a:rPr lang="en-GB" sz="1200" b="1" dirty="0" err="1"/>
+              <a:t>Common.Interfaces</a:t>
+            </a:r>
+            <a:r>
+              <a:rPr lang="en-GB" sz="1200" dirty="0" err="1"/>
+              <a:t>.</a:t>
+            </a:r>
+            <a:r>
+              <a:rPr lang="en-GB" sz="1200" dirty="0" err="1">
+                <a:solidFill>
+                  <a:srgbClr val="C00000"/>
+                </a:solidFill>
+              </a:rPr>
+              <a:t>Services</a:t>
+            </a:r>
+            <a:endParaRPr lang="en-GB" sz="1200" dirty="0">
+              <a:solidFill>
+                <a:srgbClr val="C00000"/>
+              </a:solidFill>
+            </a:endParaRPr>
+          </a:p>
+        </p:txBody>
+      </p:sp>
+      <p:cxnSp>
+        <p:nvCxnSpPr>
+          <p:cNvPr id="25" name="직선 화살표 연결선 24">
+            <a:extLst>
+              <a:ext uri="{FF2B5EF4-FFF2-40B4-BE49-F238E27FC236}">
+                <a16:creationId xmlns:a16="http://schemas.microsoft.com/office/drawing/2014/main" id="{276F66B4-2C6B-70F7-E806-545E95CA214C}"/>
+              </a:ext>
+            </a:extLst>
+          </p:cNvPr>
+          <p:cNvCxnSpPr>
+            <a:stCxn id="22" idx="2"/>
+            <a:endCxn id="23" idx="0"/>
+          </p:cNvCxnSpPr>
+          <p:nvPr/>
+        </p:nvCxnSpPr>
+        <p:spPr>
+          <a:xfrm flipH="1">
+            <a:off x="9438339" y="2604055"/>
+            <a:ext cx="1203988" cy="1450573"/>
+          </a:xfrm>
+          <a:prstGeom prst="straightConnector1">
+            <a:avLst/>
+          </a:prstGeom>
+          <a:ln w="28575">
+            <a:solidFill>
+              <a:srgbClr val="C00000"/>
+            </a:solidFill>
+            <a:tailEnd type="triangle"/>
+          </a:ln>
+        </p:spPr>
+        <p:style>
+          <a:lnRef idx="1">
+            <a:schemeClr val="accent1"/>
+          </a:lnRef>
+          <a:fillRef idx="0">
+            <a:schemeClr val="accent1"/>
+          </a:fillRef>
+          <a:effectRef idx="0">
+            <a:schemeClr val="accent1"/>
+          </a:effectRef>
+          <a:fontRef idx="minor">
+            <a:schemeClr val="tx1"/>
+          </a:fontRef>
+        </p:style>
+      </p:cxnSp>
+    </p:spTree>
+    <p:extLst>
+      <p:ext uri="{BB962C8B-B14F-4D97-AF65-F5344CB8AC3E}">
+        <p14:creationId xmlns:p14="http://schemas.microsoft.com/office/powerpoint/2010/main" val="3595691348"/>
       </p:ext>
     </p:extLst>
   </p:cSld>
